--- a/docs/diagrams/UndoRedoPushDiagram.pptx
+++ b/docs/diagrams/UndoRedoPushDiagram.pptx
@@ -4109,7 +4109,7 @@
         </p:nvSpPr>
         <p:spPr>
           <a:xfrm>
-            <a:off x="838982" y="2413255"/>
+            <a:off x="2790329" y="2903447"/>
             <a:ext cx="1480011" cy="490195"/>
           </a:xfrm>
           <a:prstGeom prst="rect">
@@ -4140,104 +4140,6 @@
                 <a:latin typeface="Consolas" panose="020B0609020204030204" pitchFamily="49" charset="0"/>
               </a:rPr>
               <a:t>add n/a …</a:t>
-            </a:r>
-          </a:p>
-        </p:txBody>
-      </p:sp>
-      <p:sp>
-        <p:nvSpPr>
-          <p:cNvPr id="23" name="Rectangle 22">
-            <a:extLst>
-              <a:ext uri="{FF2B5EF4-FFF2-40B4-BE49-F238E27FC236}">
-                <a16:creationId xmlns:a16="http://schemas.microsoft.com/office/drawing/2014/main" id="{DB77F711-5B78-49EB-943D-E6DC5E3FB8C0}"/>
-              </a:ext>
-            </a:extLst>
-          </p:cNvPr>
-          <p:cNvSpPr/>
-          <p:nvPr/>
-        </p:nvSpPr>
-        <p:spPr>
-          <a:xfrm>
-            <a:off x="2791115" y="2413254"/>
-            <a:ext cx="1480011" cy="490195"/>
-          </a:xfrm>
-          <a:prstGeom prst="rect">
-            <a:avLst/>
-          </a:prstGeom>
-        </p:spPr>
-        <p:style>
-          <a:lnRef idx="1">
-            <a:schemeClr val="accent6"/>
-          </a:lnRef>
-          <a:fillRef idx="3">
-            <a:schemeClr val="accent6"/>
-          </a:fillRef>
-          <a:effectRef idx="2">
-            <a:schemeClr val="accent6"/>
-          </a:effectRef>
-          <a:fontRef idx="minor">
-            <a:schemeClr val="lt1"/>
-          </a:fontRef>
-        </p:style>
-        <p:txBody>
-          <a:bodyPr rtlCol="0" anchor="ctr"/>
-          <a:lstStyle/>
-          <a:p>
-            <a:pPr algn="ctr"/>
-            <a:r>
-              <a:rPr lang="en-SG" dirty="0">
-                <a:latin typeface="Consolas" panose="020B0609020204030204" pitchFamily="49" charset="0"/>
-              </a:rPr>
-              <a:t>edit 4 …</a:t>
-            </a:r>
-          </a:p>
-        </p:txBody>
-      </p:sp>
-      <p:sp>
-        <p:nvSpPr>
-          <p:cNvPr id="24" name="Rectangle 23">
-            <a:extLst>
-              <a:ext uri="{FF2B5EF4-FFF2-40B4-BE49-F238E27FC236}">
-                <a16:creationId xmlns:a16="http://schemas.microsoft.com/office/drawing/2014/main" id="{7AE189A6-BA15-4074-AC11-0E695F74D6A1}"/>
-              </a:ext>
-            </a:extLst>
-          </p:cNvPr>
-          <p:cNvSpPr/>
-          <p:nvPr/>
-        </p:nvSpPr>
-        <p:spPr>
-          <a:xfrm>
-            <a:off x="2791115" y="2903451"/>
-            <a:ext cx="1480011" cy="490195"/>
-          </a:xfrm>
-          <a:prstGeom prst="rect">
-            <a:avLst/>
-          </a:prstGeom>
-        </p:spPr>
-        <p:style>
-          <a:lnRef idx="1">
-            <a:schemeClr val="accent6"/>
-          </a:lnRef>
-          <a:fillRef idx="3">
-            <a:schemeClr val="accent6"/>
-          </a:fillRef>
-          <a:effectRef idx="2">
-            <a:schemeClr val="accent6"/>
-          </a:effectRef>
-          <a:fontRef idx="minor">
-            <a:schemeClr val="lt1"/>
-          </a:fontRef>
-        </p:style>
-        <p:txBody>
-          <a:bodyPr rtlCol="0" anchor="ctr"/>
-          <a:lstStyle/>
-          <a:p>
-            <a:pPr algn="ctr"/>
-            <a:r>
-              <a:rPr lang="en-SG" dirty="0">
-                <a:latin typeface="Consolas" panose="020B0609020204030204" pitchFamily="49" charset="0"/>
-              </a:rPr>
-              <a:t>add n/b …</a:t>
             </a:r>
           </a:p>
         </p:txBody>
@@ -4293,10 +4195,10 @@
       </p:sp>
       <p:sp>
         <p:nvSpPr>
-          <p:cNvPr id="27" name="Rectangle 26">
-            <a:extLst>
-              <a:ext uri="{FF2B5EF4-FFF2-40B4-BE49-F238E27FC236}">
-                <a16:creationId xmlns:a16="http://schemas.microsoft.com/office/drawing/2014/main" id="{EDDFC329-B132-49A8-AD3B-97A150A83CE6}"/>
+          <p:cNvPr id="28" name="Rectangle 27">
+            <a:extLst>
+              <a:ext uri="{FF2B5EF4-FFF2-40B4-BE49-F238E27FC236}">
+                <a16:creationId xmlns:a16="http://schemas.microsoft.com/office/drawing/2014/main" id="{88CF20A0-55DD-4D59-B114-BCADD18C7DD2}"/>
               </a:ext>
             </a:extLst>
           </p:cNvPr>
@@ -4306,55 +4208,6 @@
         <p:spPr>
           <a:xfrm>
             <a:off x="7844670" y="2413252"/>
-            <a:ext cx="1480011" cy="490195"/>
-          </a:xfrm>
-          <a:prstGeom prst="rect">
-            <a:avLst/>
-          </a:prstGeom>
-        </p:spPr>
-        <p:style>
-          <a:lnRef idx="1">
-            <a:schemeClr val="accent6"/>
-          </a:lnRef>
-          <a:fillRef idx="3">
-            <a:schemeClr val="accent6"/>
-          </a:fillRef>
-          <a:effectRef idx="2">
-            <a:schemeClr val="accent6"/>
-          </a:effectRef>
-          <a:fontRef idx="minor">
-            <a:schemeClr val="lt1"/>
-          </a:fontRef>
-        </p:style>
-        <p:txBody>
-          <a:bodyPr rtlCol="0" anchor="ctr"/>
-          <a:lstStyle/>
-          <a:p>
-            <a:pPr algn="ctr"/>
-            <a:r>
-              <a:rPr lang="en-SG" dirty="0">
-                <a:latin typeface="Consolas" panose="020B0609020204030204" pitchFamily="49" charset="0"/>
-              </a:rPr>
-              <a:t>add n/a …</a:t>
-            </a:r>
-          </a:p>
-        </p:txBody>
-      </p:sp>
-      <p:sp>
-        <p:nvSpPr>
-          <p:cNvPr id="28" name="Rectangle 27">
-            <a:extLst>
-              <a:ext uri="{FF2B5EF4-FFF2-40B4-BE49-F238E27FC236}">
-                <a16:creationId xmlns:a16="http://schemas.microsoft.com/office/drawing/2014/main" id="{88CF20A0-55DD-4D59-B114-BCADD18C7DD2}"/>
-              </a:ext>
-            </a:extLst>
-          </p:cNvPr>
-          <p:cNvSpPr/>
-          <p:nvPr/>
-        </p:nvSpPr>
-        <p:spPr>
-          <a:xfrm>
-            <a:off x="7844671" y="1923056"/>
             <a:ext cx="1480011" cy="490195"/>
           </a:xfrm>
           <a:prstGeom prst="rect">
